--- a/Instructor-Led/Lessons/Module4/Module4_Lesson9 Hive Query Language In-Depth.pptx
+++ b/Instructor-Led/Lessons/Module4/Module4_Lesson9 Hive Query Language In-Depth.pptx
@@ -125,7 +125,7 @@
   </p:defaultTextStyle>
   <p:extLst>
     <p:ext uri="{EFAFB233-063F-42B5-8137-9DF3F51BA10A}">
-      <p15:sldGuideLst xmlns:p15="http://schemas.microsoft.com/office/powerpoint/2012/main" xmlns=""/>
+      <p15:sldGuideLst xmlns="" xmlns:p15="http://schemas.microsoft.com/office/powerpoint/2012/main"/>
     </p:ext>
   </p:extLst>
 </p:presentation>
@@ -214,7 +214,7 @@
             <a:fld id="{49B60EF2-7028-489F-85D8-FE86CD7CF2A0}" type="datetimeFigureOut">
               <a:rPr lang="en-US" smtClean="0"/>
               <a:pPr/>
-              <a:t>5/26/16</a:t>
+              <a:t>6/22/16</a:t>
             </a:fld>
             <a:endParaRPr lang="en-US"/>
           </a:p>
@@ -1313,6 +1313,68 @@
           <a:bodyPr/>
           <a:lstStyle/>
           <a:p>
+            <a:r>
+              <a:rPr lang="en-US" b="1" dirty="0" smtClean="0"/>
+              <a:t>Notes</a:t>
+            </a:r>
+            <a:r>
+              <a:rPr lang="en-US" b="1" baseline="0" dirty="0" smtClean="0"/>
+              <a:t>: </a:t>
+            </a:r>
+          </a:p>
+          <a:p>
+            <a:pPr marL="171450" indent="-171450">
+              <a:buFont typeface="Arial"/>
+              <a:buChar char="•"/>
+            </a:pPr>
+            <a:r>
+              <a:rPr lang="en-US" b="0" baseline="0" dirty="0" smtClean="0"/>
+              <a:t>The Module 4 </a:t>
+            </a:r>
+            <a:r>
+              <a:rPr lang="en-US" b="0" baseline="0" smtClean="0"/>
+              <a:t>Lesson 9 </a:t>
+            </a:r>
+            <a:r>
+              <a:rPr lang="en-US" b="0" baseline="0" dirty="0" smtClean="0"/>
+              <a:t>Lab should be completed at this time:</a:t>
+            </a:r>
+          </a:p>
+          <a:p>
+            <a:pPr marL="628650" lvl="1" indent="-171450">
+              <a:buFont typeface="Arial"/>
+              <a:buChar char="•"/>
+            </a:pPr>
+            <a:r>
+              <a:rPr lang="en-US" b="0" baseline="0" dirty="0" smtClean="0"/>
+              <a:t>https://</a:t>
+            </a:r>
+            <a:r>
+              <a:rPr lang="en-US" b="0" baseline="0" dirty="0" err="1" smtClean="0"/>
+              <a:t>github.com</a:t>
+            </a:r>
+            <a:r>
+              <a:rPr lang="en-US" b="0" baseline="0" dirty="0" smtClean="0"/>
+              <a:t>/</a:t>
+            </a:r>
+            <a:r>
+              <a:rPr lang="en-US" b="0" baseline="0" dirty="0" err="1" smtClean="0"/>
+              <a:t>MSFTImagine</a:t>
+            </a:r>
+            <a:r>
+              <a:rPr lang="en-US" b="0" baseline="0" dirty="0" smtClean="0"/>
+              <a:t>/</a:t>
+            </a:r>
+            <a:r>
+              <a:rPr lang="en-US" b="0" baseline="0" dirty="0" err="1" smtClean="0"/>
+              <a:t>computerscience</a:t>
+            </a:r>
+            <a:r>
+              <a:rPr lang="en-US" b="0" baseline="0" dirty="0" smtClean="0"/>
+              <a:t>/tree/master/Instructor-Led/Labs/Module4</a:t>
+            </a:r>
+          </a:p>
+          <a:p>
             <a:endParaRPr lang="ko-KR" altLang="en-US" dirty="0"/>
           </a:p>
         </p:txBody>
@@ -2625,7 +2687,7 @@
             <a:fld id="{0459C166-16D3-4A25-A2F8-C51E0E346B22}" type="datetimeFigureOut">
               <a:rPr lang="en-US" smtClean="0"/>
               <a:pPr/>
-              <a:t>5/26/16</a:t>
+              <a:t>6/22/16</a:t>
             </a:fld>
             <a:endParaRPr lang="en-US"/>
           </a:p>
@@ -2991,7 +3053,7 @@
             <a:fld id="{0459C166-16D3-4A25-A2F8-C51E0E346B22}" type="datetimeFigureOut">
               <a:rPr lang="en-US" smtClean="0"/>
               <a:pPr/>
-              <a:t>5/26/16</a:t>
+              <a:t>6/22/16</a:t>
             </a:fld>
             <a:endParaRPr lang="en-US"/>
           </a:p>
@@ -3110,7 +3172,7 @@
             <a:fld id="{0459C166-16D3-4A25-A2F8-C51E0E346B22}" type="datetimeFigureOut">
               <a:rPr lang="en-US" smtClean="0"/>
               <a:pPr/>
-              <a:t>5/26/16</a:t>
+              <a:t>6/22/16</a:t>
             </a:fld>
             <a:endParaRPr lang="en-US"/>
           </a:p>
@@ -3207,7 +3269,7 @@
             <a:fld id="{0459C166-16D3-4A25-A2F8-C51E0E346B22}" type="datetimeFigureOut">
               <a:rPr lang="en-US" smtClean="0"/>
               <a:pPr/>
-              <a:t>5/26/16</a:t>
+              <a:t>6/22/16</a:t>
             </a:fld>
             <a:endParaRPr lang="en-US"/>
           </a:p>
@@ -3484,7 +3546,7 @@
             <a:fld id="{0459C166-16D3-4A25-A2F8-C51E0E346B22}" type="datetimeFigureOut">
               <a:rPr lang="en-US" smtClean="0"/>
               <a:pPr/>
-              <a:t>5/26/16</a:t>
+              <a:t>6/22/16</a:t>
             </a:fld>
             <a:endParaRPr lang="en-US"/>
           </a:p>
@@ -3738,7 +3800,7 @@
             <a:fld id="{0459C166-16D3-4A25-A2F8-C51E0E346B22}" type="datetimeFigureOut">
               <a:rPr lang="en-US" smtClean="0"/>
               <a:pPr/>
-              <a:t>5/26/16</a:t>
+              <a:t>6/22/16</a:t>
             </a:fld>
             <a:endParaRPr lang="en-US"/>
           </a:p>
@@ -3908,7 +3970,7 @@
             <a:fld id="{0459C166-16D3-4A25-A2F8-C51E0E346B22}" type="datetimeFigureOut">
               <a:rPr lang="en-US" smtClean="0"/>
               <a:pPr/>
-              <a:t>5/26/16</a:t>
+              <a:t>6/22/16</a:t>
             </a:fld>
             <a:endParaRPr lang="en-US"/>
           </a:p>
@@ -4088,7 +4150,7 @@
             <a:fld id="{0459C166-16D3-4A25-A2F8-C51E0E346B22}" type="datetimeFigureOut">
               <a:rPr lang="en-US" smtClean="0"/>
               <a:pPr/>
-              <a:t>5/26/16</a:t>
+              <a:t>6/22/16</a:t>
             </a:fld>
             <a:endParaRPr lang="en-US"/>
           </a:p>
@@ -4303,7 +4365,7 @@
                 <a:latin typeface="Segoe UI"/>
               </a:rPr>
               <a:pPr/>
-              <a:t>5/26/16</a:t>
+              <a:t>6/22/16</a:t>
             </a:fld>
             <a:endParaRPr lang="en-US">
               <a:solidFill>
@@ -4508,7 +4570,7 @@
                 <a:latin typeface="Segoe UI"/>
               </a:rPr>
               <a:pPr/>
-              <a:t>5/26/16</a:t>
+              <a:t>6/22/16</a:t>
             </a:fld>
             <a:endParaRPr lang="en-US">
               <a:solidFill>
@@ -4806,7 +4868,7 @@
                 <a:latin typeface="Segoe UI"/>
               </a:rPr>
               <a:pPr/>
-              <a:t>5/26/16</a:t>
+              <a:t>6/22/16</a:t>
             </a:fld>
             <a:endParaRPr lang="en-US">
               <a:solidFill>
@@ -5012,7 +5074,7 @@
             <a:fld id="{0459C166-16D3-4A25-A2F8-C51E0E346B22}" type="datetimeFigureOut">
               <a:rPr lang="en-US" smtClean="0"/>
               <a:pPr/>
-              <a:t>5/26/16</a:t>
+              <a:t>6/22/16</a:t>
             </a:fld>
             <a:endParaRPr lang="en-US"/>
           </a:p>
@@ -5320,7 +5382,7 @@
                 <a:latin typeface="Segoe UI"/>
               </a:rPr>
               <a:pPr/>
-              <a:t>5/26/16</a:t>
+              <a:t>6/22/16</a:t>
             </a:fld>
             <a:endParaRPr lang="en-US">
               <a:solidFill>
@@ -5695,7 +5757,7 @@
                 <a:latin typeface="Segoe UI"/>
               </a:rPr>
               <a:pPr/>
-              <a:t>5/26/16</a:t>
+              <a:t>6/22/16</a:t>
             </a:fld>
             <a:endParaRPr lang="en-US">
               <a:solidFill>
@@ -6639,7 +6701,7 @@
                 <a:latin typeface="Segoe UI"/>
               </a:rPr>
               <a:pPr/>
-              <a:t>5/26/16</a:t>
+              <a:t>6/22/16</a:t>
             </a:fld>
             <a:endParaRPr lang="en-US">
               <a:solidFill>
@@ -7040,7 +7102,7 @@
                 <a:latin typeface="Segoe UI"/>
               </a:rPr>
               <a:pPr/>
-              <a:t>5/26/16</a:t>
+              <a:t>6/22/16</a:t>
             </a:fld>
             <a:endParaRPr lang="en-US">
               <a:solidFill>
@@ -7194,7 +7256,7 @@
                 <a:latin typeface="Segoe UI"/>
               </a:rPr>
               <a:pPr/>
-              <a:t>5/26/16</a:t>
+              <a:t>6/22/16</a:t>
             </a:fld>
             <a:endParaRPr lang="en-US">
               <a:solidFill>
@@ -7326,7 +7388,7 @@
                 <a:latin typeface="Segoe UI"/>
               </a:rPr>
               <a:pPr/>
-              <a:t>5/26/16</a:t>
+              <a:t>6/22/16</a:t>
             </a:fld>
             <a:endParaRPr lang="en-US">
               <a:solidFill>
@@ -7638,7 +7700,7 @@
                 <a:latin typeface="Segoe UI"/>
               </a:rPr>
               <a:pPr/>
-              <a:t>5/26/16</a:t>
+              <a:t>6/22/16</a:t>
             </a:fld>
             <a:endParaRPr lang="en-US">
               <a:solidFill>
@@ -7931,7 +7993,7 @@
             <a:fld id="{0459C166-16D3-4A25-A2F8-C51E0E346B22}" type="datetimeFigureOut">
               <a:rPr lang="en-US" smtClean="0"/>
               <a:pPr/>
-              <a:t>5/26/16</a:t>
+              <a:t>6/22/16</a:t>
             </a:fld>
             <a:endParaRPr lang="en-US"/>
           </a:p>
@@ -8208,7 +8270,7 @@
                 <a:latin typeface="Segoe UI"/>
               </a:rPr>
               <a:pPr/>
-              <a:t>5/26/16</a:t>
+              <a:t>6/22/16</a:t>
             </a:fld>
             <a:endParaRPr lang="en-US">
               <a:solidFill>
@@ -8413,7 +8475,7 @@
                 <a:latin typeface="Segoe UI"/>
               </a:rPr>
               <a:pPr/>
-              <a:t>5/26/16</a:t>
+              <a:t>6/22/16</a:t>
             </a:fld>
             <a:endParaRPr lang="en-US">
               <a:solidFill>
@@ -8628,7 +8690,7 @@
                 <a:latin typeface="Segoe UI"/>
               </a:rPr>
               <a:pPr/>
-              <a:t>5/26/16</a:t>
+              <a:t>6/22/16</a:t>
             </a:fld>
             <a:endParaRPr lang="en-US">
               <a:solidFill>
@@ -8873,7 +8935,7 @@
                 <a:latin typeface="Segoe UI"/>
               </a:rPr>
               <a:pPr/>
-              <a:t>5/26/16</a:t>
+              <a:t>6/22/16</a:t>
             </a:fld>
             <a:endParaRPr lang="en-US">
               <a:solidFill>
@@ -9078,7 +9140,7 @@
                 <a:latin typeface="Segoe UI"/>
               </a:rPr>
               <a:pPr/>
-              <a:t>5/26/16</a:t>
+              <a:t>6/22/16</a:t>
             </a:fld>
             <a:endParaRPr lang="en-US">
               <a:solidFill>
@@ -9376,7 +9438,7 @@
                 <a:latin typeface="Segoe UI"/>
               </a:rPr>
               <a:pPr/>
-              <a:t>5/26/16</a:t>
+              <a:t>6/22/16</a:t>
             </a:fld>
             <a:endParaRPr lang="en-US">
               <a:solidFill>
@@ -9720,7 +9782,7 @@
                 <a:latin typeface="Segoe UI"/>
               </a:rPr>
               <a:pPr/>
-              <a:t>5/26/16</a:t>
+              <a:t>6/22/16</a:t>
             </a:fld>
             <a:endParaRPr lang="en-US">
               <a:solidFill>
@@ -10095,7 +10157,7 @@
                 <a:latin typeface="Segoe UI"/>
               </a:rPr>
               <a:pPr/>
-              <a:t>5/26/16</a:t>
+              <a:t>6/22/16</a:t>
             </a:fld>
             <a:endParaRPr lang="en-US">
               <a:solidFill>
@@ -11221,7 +11283,7 @@
                 <a:latin typeface="Segoe UI"/>
               </a:rPr>
               <a:pPr/>
-              <a:t>5/26/16</a:t>
+              <a:t>6/22/16</a:t>
             </a:fld>
             <a:endParaRPr lang="en-US">
               <a:solidFill>
@@ -11622,7 +11684,7 @@
                 <a:latin typeface="Segoe UI"/>
               </a:rPr>
               <a:pPr/>
-              <a:t>5/26/16</a:t>
+              <a:t>6/22/16</a:t>
             </a:fld>
             <a:endParaRPr lang="en-US">
               <a:solidFill>
@@ -11776,7 +11838,7 @@
                 <a:latin typeface="Segoe UI"/>
               </a:rPr>
               <a:pPr/>
-              <a:t>5/26/16</a:t>
+              <a:t>6/22/16</a:t>
             </a:fld>
             <a:endParaRPr lang="en-US">
               <a:solidFill>
@@ -11908,7 +11970,7 @@
                 <a:latin typeface="Segoe UI"/>
               </a:rPr>
               <a:pPr/>
-              <a:t>5/26/16</a:t>
+              <a:t>6/22/16</a:t>
             </a:fld>
             <a:endParaRPr lang="en-US">
               <a:solidFill>
@@ -12220,7 +12282,7 @@
                 <a:latin typeface="Segoe UI"/>
               </a:rPr>
               <a:pPr/>
-              <a:t>5/26/16</a:t>
+              <a:t>6/22/16</a:t>
             </a:fld>
             <a:endParaRPr lang="en-US">
               <a:solidFill>
@@ -12509,7 +12571,7 @@
                 <a:latin typeface="Segoe UI"/>
               </a:rPr>
               <a:pPr/>
-              <a:t>5/26/16</a:t>
+              <a:t>6/22/16</a:t>
             </a:fld>
             <a:endParaRPr lang="en-US">
               <a:solidFill>
@@ -12714,7 +12776,7 @@
                 <a:latin typeface="Segoe UI"/>
               </a:rPr>
               <a:pPr/>
-              <a:t>5/26/16</a:t>
+              <a:t>6/22/16</a:t>
             </a:fld>
             <a:endParaRPr lang="en-US">
               <a:solidFill>
@@ -12929,7 +12991,7 @@
                 <a:latin typeface="Segoe UI"/>
               </a:rPr>
               <a:pPr/>
-              <a:t>5/26/16</a:t>
+              <a:t>6/22/16</a:t>
             </a:fld>
             <a:endParaRPr lang="en-US">
               <a:solidFill>
@@ -13271,7 +13333,7 @@
             <a:fld id="{0459C166-16D3-4A25-A2F8-C51E0E346B22}" type="datetimeFigureOut">
               <a:rPr lang="en-US" smtClean="0"/>
               <a:pPr/>
-              <a:t>5/26/16</a:t>
+              <a:t>6/22/16</a:t>
             </a:fld>
             <a:endParaRPr lang="en-US"/>
           </a:p>
@@ -17216,7 +17278,7 @@
             <a:fld id="{0459C166-16D3-4A25-A2F8-C51E0E346B22}" type="datetimeFigureOut">
               <a:rPr lang="en-US" smtClean="0"/>
               <a:pPr/>
-              <a:t>5/26/16</a:t>
+              <a:t>6/22/16</a:t>
             </a:fld>
             <a:endParaRPr lang="en-US"/>
           </a:p>
@@ -24204,7 +24266,7 @@
                 <a:latin typeface="Segoe UI"/>
               </a:rPr>
               <a:pPr/>
-              <a:t>5/26/16</a:t>
+              <a:t>6/22/16</a:t>
             </a:fld>
             <a:endParaRPr lang="en-US">
               <a:solidFill>
@@ -24913,7 +24975,7 @@
             <a:fld id="{0459C166-16D3-4A25-A2F8-C51E0E346B22}" type="datetimeFigureOut">
               <a:rPr lang="en-US" smtClean="0"/>
               <a:pPr/>
-              <a:t>5/26/16</a:t>
+              <a:t>6/22/16</a:t>
             </a:fld>
             <a:endParaRPr lang="en-US"/>
           </a:p>
@@ -25126,7 +25188,7 @@
             <a:fld id="{0459C166-16D3-4A25-A2F8-C51E0E346B22}" type="datetimeFigureOut">
               <a:rPr lang="en-US" smtClean="0"/>
               <a:pPr/>
-              <a:t>5/26/16</a:t>
+              <a:t>6/22/16</a:t>
             </a:fld>
             <a:endParaRPr lang="en-US"/>
           </a:p>
@@ -25678,7 +25740,7 @@
                 <a:latin typeface="Segoe UI"/>
               </a:rPr>
               <a:pPr/>
-              <a:t>5/26/16</a:t>
+              <a:t>6/22/16</a:t>
             </a:fld>
             <a:endParaRPr lang="en-US">
               <a:solidFill>
@@ -26258,7 +26320,7 @@
                 <a:latin typeface="Segoe UI"/>
               </a:rPr>
               <a:pPr/>
-              <a:t>5/26/16</a:t>
+              <a:t>6/22/16</a:t>
             </a:fld>
             <a:endParaRPr lang="en-US">
               <a:solidFill>
@@ -27523,21 +27585,21 @@
                 <a:gridCol w="938778">
                   <a:extLst>
                     <a:ext uri="{9D8B030D-6E8A-4147-A177-3AD203B41FA5}">
-                      <a16:colId xmlns:a16="http://schemas.microsoft.com/office/drawing/2014/main" xmlns="" val="48614039"/>
+                      <a16:colId xmlns="" xmlns:a16="http://schemas.microsoft.com/office/drawing/2014/main" val="48614039"/>
                     </a:ext>
                   </a:extLst>
                 </a:gridCol>
                 <a:gridCol w="1232915">
                   <a:extLst>
                     <a:ext uri="{9D8B030D-6E8A-4147-A177-3AD203B41FA5}">
-                      <a16:colId xmlns:a16="http://schemas.microsoft.com/office/drawing/2014/main" xmlns="" val="1124546490"/>
+                      <a16:colId xmlns="" xmlns:a16="http://schemas.microsoft.com/office/drawing/2014/main" val="1124546490"/>
                     </a:ext>
                   </a:extLst>
                 </a:gridCol>
                 <a:gridCol w="1517360">
                   <a:extLst>
                     <a:ext uri="{9D8B030D-6E8A-4147-A177-3AD203B41FA5}">
-                      <a16:colId xmlns:a16="http://schemas.microsoft.com/office/drawing/2014/main" xmlns="" val="2986980724"/>
+                      <a16:colId xmlns="" xmlns:a16="http://schemas.microsoft.com/office/drawing/2014/main" val="2986980724"/>
                     </a:ext>
                   </a:extLst>
                 </a:gridCol>
@@ -27616,7 +27678,7 @@
                 </a:tc>
                 <a:extLst>
                   <a:ext uri="{0D108BD9-81ED-4DB2-BD59-A6C34878D82A}">
-                    <a16:rowId xmlns:a16="http://schemas.microsoft.com/office/drawing/2014/main" xmlns="" val="2034482246"/>
+                    <a16:rowId xmlns="" xmlns:a16="http://schemas.microsoft.com/office/drawing/2014/main" val="2034482246"/>
                   </a:ext>
                 </a:extLst>
               </a:tr>
@@ -27683,7 +27745,7 @@
                 </a:tc>
                 <a:extLst>
                   <a:ext uri="{0D108BD9-81ED-4DB2-BD59-A6C34878D82A}">
-                    <a16:rowId xmlns:a16="http://schemas.microsoft.com/office/drawing/2014/main" xmlns="" val="682465758"/>
+                    <a16:rowId xmlns="" xmlns:a16="http://schemas.microsoft.com/office/drawing/2014/main" val="682465758"/>
                   </a:ext>
                 </a:extLst>
               </a:tr>
@@ -27750,7 +27812,7 @@
                 </a:tc>
                 <a:extLst>
                   <a:ext uri="{0D108BD9-81ED-4DB2-BD59-A6C34878D82A}">
-                    <a16:rowId xmlns:a16="http://schemas.microsoft.com/office/drawing/2014/main" xmlns="" val="4230228483"/>
+                    <a16:rowId xmlns="" xmlns:a16="http://schemas.microsoft.com/office/drawing/2014/main" val="4230228483"/>
                   </a:ext>
                 </a:extLst>
               </a:tr>
@@ -27817,7 +27879,7 @@
                 </a:tc>
                 <a:extLst>
                   <a:ext uri="{0D108BD9-81ED-4DB2-BD59-A6C34878D82A}">
-                    <a16:rowId xmlns:a16="http://schemas.microsoft.com/office/drawing/2014/main" xmlns="" val="3329658239"/>
+                    <a16:rowId xmlns="" xmlns:a16="http://schemas.microsoft.com/office/drawing/2014/main" val="3329658239"/>
                   </a:ext>
                 </a:extLst>
               </a:tr>
@@ -27853,21 +27915,21 @@
                 <a:gridCol w="938778">
                   <a:extLst>
                     <a:ext uri="{9D8B030D-6E8A-4147-A177-3AD203B41FA5}">
-                      <a16:colId xmlns:a16="http://schemas.microsoft.com/office/drawing/2014/main" xmlns="" val="48614039"/>
+                      <a16:colId xmlns="" xmlns:a16="http://schemas.microsoft.com/office/drawing/2014/main" val="48614039"/>
                     </a:ext>
                   </a:extLst>
                 </a:gridCol>
                 <a:gridCol w="1232915">
                   <a:extLst>
                     <a:ext uri="{9D8B030D-6E8A-4147-A177-3AD203B41FA5}">
-                      <a16:colId xmlns:a16="http://schemas.microsoft.com/office/drawing/2014/main" xmlns="" val="1124546490"/>
+                      <a16:colId xmlns="" xmlns:a16="http://schemas.microsoft.com/office/drawing/2014/main" val="1124546490"/>
                     </a:ext>
                   </a:extLst>
                 </a:gridCol>
                 <a:gridCol w="1517360">
                   <a:extLst>
                     <a:ext uri="{9D8B030D-6E8A-4147-A177-3AD203B41FA5}">
-                      <a16:colId xmlns:a16="http://schemas.microsoft.com/office/drawing/2014/main" xmlns="" val="2986980724"/>
+                      <a16:colId xmlns="" xmlns:a16="http://schemas.microsoft.com/office/drawing/2014/main" val="2986980724"/>
                     </a:ext>
                   </a:extLst>
                 </a:gridCol>
@@ -27951,7 +28013,7 @@
                 </a:tc>
                 <a:extLst>
                   <a:ext uri="{0D108BD9-81ED-4DB2-BD59-A6C34878D82A}">
-                    <a16:rowId xmlns:a16="http://schemas.microsoft.com/office/drawing/2014/main" xmlns="" val="2034482246"/>
+                    <a16:rowId xmlns="" xmlns:a16="http://schemas.microsoft.com/office/drawing/2014/main" val="2034482246"/>
                   </a:ext>
                 </a:extLst>
               </a:tr>
@@ -28018,7 +28080,7 @@
                 </a:tc>
                 <a:extLst>
                   <a:ext uri="{0D108BD9-81ED-4DB2-BD59-A6C34878D82A}">
-                    <a16:rowId xmlns:a16="http://schemas.microsoft.com/office/drawing/2014/main" xmlns="" val="682465758"/>
+                    <a16:rowId xmlns="" xmlns:a16="http://schemas.microsoft.com/office/drawing/2014/main" val="682465758"/>
                   </a:ext>
                 </a:extLst>
               </a:tr>
@@ -28085,7 +28147,7 @@
                 </a:tc>
                 <a:extLst>
                   <a:ext uri="{0D108BD9-81ED-4DB2-BD59-A6C34878D82A}">
-                    <a16:rowId xmlns:a16="http://schemas.microsoft.com/office/drawing/2014/main" xmlns="" val="4230228483"/>
+                    <a16:rowId xmlns="" xmlns:a16="http://schemas.microsoft.com/office/drawing/2014/main" val="4230228483"/>
                   </a:ext>
                 </a:extLst>
               </a:tr>
@@ -28152,7 +28214,7 @@
                 </a:tc>
                 <a:extLst>
                   <a:ext uri="{0D108BD9-81ED-4DB2-BD59-A6C34878D82A}">
-                    <a16:rowId xmlns:a16="http://schemas.microsoft.com/office/drawing/2014/main" xmlns="" val="3329658239"/>
+                    <a16:rowId xmlns="" xmlns:a16="http://schemas.microsoft.com/office/drawing/2014/main" val="3329658239"/>
                   </a:ext>
                 </a:extLst>
               </a:tr>
@@ -28188,35 +28250,35 @@
                 <a:gridCol w="1451401">
                   <a:extLst>
                     <a:ext uri="{9D8B030D-6E8A-4147-A177-3AD203B41FA5}">
-                      <a16:colId xmlns:a16="http://schemas.microsoft.com/office/drawing/2014/main" xmlns="" val="48614039"/>
+                      <a16:colId xmlns="" xmlns:a16="http://schemas.microsoft.com/office/drawing/2014/main" val="48614039"/>
                     </a:ext>
                   </a:extLst>
                 </a:gridCol>
                 <a:gridCol w="1557810">
                   <a:extLst>
                     <a:ext uri="{9D8B030D-6E8A-4147-A177-3AD203B41FA5}">
-                      <a16:colId xmlns:a16="http://schemas.microsoft.com/office/drawing/2014/main" xmlns="" val="1124546490"/>
+                      <a16:colId xmlns="" xmlns:a16="http://schemas.microsoft.com/office/drawing/2014/main" val="1124546490"/>
                     </a:ext>
                   </a:extLst>
                 </a:gridCol>
                 <a:gridCol w="1545183">
                   <a:extLst>
                     <a:ext uri="{9D8B030D-6E8A-4147-A177-3AD203B41FA5}">
-                      <a16:colId xmlns:a16="http://schemas.microsoft.com/office/drawing/2014/main" xmlns="" val="2986980724"/>
+                      <a16:colId xmlns="" xmlns:a16="http://schemas.microsoft.com/office/drawing/2014/main" val="2986980724"/>
                     </a:ext>
                   </a:extLst>
                 </a:gridCol>
                 <a:gridCol w="1172000">
                   <a:extLst>
                     <a:ext uri="{9D8B030D-6E8A-4147-A177-3AD203B41FA5}">
-                      <a16:colId xmlns:a16="http://schemas.microsoft.com/office/drawing/2014/main" xmlns="" val="4021855989"/>
+                      <a16:colId xmlns="" xmlns:a16="http://schemas.microsoft.com/office/drawing/2014/main" val="4021855989"/>
                     </a:ext>
                   </a:extLst>
                 </a:gridCol>
                 <a:gridCol w="1270861">
                   <a:extLst>
                     <a:ext uri="{9D8B030D-6E8A-4147-A177-3AD203B41FA5}">
-                      <a16:colId xmlns:a16="http://schemas.microsoft.com/office/drawing/2014/main" xmlns="" val="783811088"/>
+                      <a16:colId xmlns="" xmlns:a16="http://schemas.microsoft.com/office/drawing/2014/main" val="783811088"/>
                     </a:ext>
                   </a:extLst>
                 </a:gridCol>
@@ -28360,7 +28422,7 @@
                 </a:tc>
                 <a:extLst>
                   <a:ext uri="{0D108BD9-81ED-4DB2-BD59-A6C34878D82A}">
-                    <a16:rowId xmlns:a16="http://schemas.microsoft.com/office/drawing/2014/main" xmlns="" val="2034482246"/>
+                    <a16:rowId xmlns="" xmlns:a16="http://schemas.microsoft.com/office/drawing/2014/main" val="2034482246"/>
                   </a:ext>
                 </a:extLst>
               </a:tr>
@@ -28467,7 +28529,7 @@
                 </a:tc>
                 <a:extLst>
                   <a:ext uri="{0D108BD9-81ED-4DB2-BD59-A6C34878D82A}">
-                    <a16:rowId xmlns:a16="http://schemas.microsoft.com/office/drawing/2014/main" xmlns="" val="682465758"/>
+                    <a16:rowId xmlns="" xmlns:a16="http://schemas.microsoft.com/office/drawing/2014/main" val="682465758"/>
                   </a:ext>
                 </a:extLst>
               </a:tr>
@@ -28574,7 +28636,7 @@
                 </a:tc>
                 <a:extLst>
                   <a:ext uri="{0D108BD9-81ED-4DB2-BD59-A6C34878D82A}">
-                    <a16:rowId xmlns:a16="http://schemas.microsoft.com/office/drawing/2014/main" xmlns="" val="4230228483"/>
+                    <a16:rowId xmlns="" xmlns:a16="http://schemas.microsoft.com/office/drawing/2014/main" val="4230228483"/>
                   </a:ext>
                 </a:extLst>
               </a:tr>
@@ -28999,21 +29061,21 @@
                 <a:gridCol w="938778">
                   <a:extLst>
                     <a:ext uri="{9D8B030D-6E8A-4147-A177-3AD203B41FA5}">
-                      <a16:colId xmlns:a16="http://schemas.microsoft.com/office/drawing/2014/main" xmlns="" val="48614039"/>
+                      <a16:colId xmlns="" xmlns:a16="http://schemas.microsoft.com/office/drawing/2014/main" val="48614039"/>
                     </a:ext>
                   </a:extLst>
                 </a:gridCol>
                 <a:gridCol w="1232915">
                   <a:extLst>
                     <a:ext uri="{9D8B030D-6E8A-4147-A177-3AD203B41FA5}">
-                      <a16:colId xmlns:a16="http://schemas.microsoft.com/office/drawing/2014/main" xmlns="" val="1124546490"/>
+                      <a16:colId xmlns="" xmlns:a16="http://schemas.microsoft.com/office/drawing/2014/main" val="1124546490"/>
                     </a:ext>
                   </a:extLst>
                 </a:gridCol>
                 <a:gridCol w="1517360">
                   <a:extLst>
                     <a:ext uri="{9D8B030D-6E8A-4147-A177-3AD203B41FA5}">
-                      <a16:colId xmlns:a16="http://schemas.microsoft.com/office/drawing/2014/main" xmlns="" val="2986980724"/>
+                      <a16:colId xmlns="" xmlns:a16="http://schemas.microsoft.com/office/drawing/2014/main" val="2986980724"/>
                     </a:ext>
                   </a:extLst>
                 </a:gridCol>
@@ -29092,7 +29154,7 @@
                 </a:tc>
                 <a:extLst>
                   <a:ext uri="{0D108BD9-81ED-4DB2-BD59-A6C34878D82A}">
-                    <a16:rowId xmlns:a16="http://schemas.microsoft.com/office/drawing/2014/main" xmlns="" val="2034482246"/>
+                    <a16:rowId xmlns="" xmlns:a16="http://schemas.microsoft.com/office/drawing/2014/main" val="2034482246"/>
                   </a:ext>
                 </a:extLst>
               </a:tr>
@@ -29159,7 +29221,7 @@
                 </a:tc>
                 <a:extLst>
                   <a:ext uri="{0D108BD9-81ED-4DB2-BD59-A6C34878D82A}">
-                    <a16:rowId xmlns:a16="http://schemas.microsoft.com/office/drawing/2014/main" xmlns="" val="682465758"/>
+                    <a16:rowId xmlns="" xmlns:a16="http://schemas.microsoft.com/office/drawing/2014/main" val="682465758"/>
                   </a:ext>
                 </a:extLst>
               </a:tr>
@@ -29226,7 +29288,7 @@
                 </a:tc>
                 <a:extLst>
                   <a:ext uri="{0D108BD9-81ED-4DB2-BD59-A6C34878D82A}">
-                    <a16:rowId xmlns:a16="http://schemas.microsoft.com/office/drawing/2014/main" xmlns="" val="4230228483"/>
+                    <a16:rowId xmlns="" xmlns:a16="http://schemas.microsoft.com/office/drawing/2014/main" val="4230228483"/>
                   </a:ext>
                 </a:extLst>
               </a:tr>
@@ -29293,7 +29355,7 @@
                 </a:tc>
                 <a:extLst>
                   <a:ext uri="{0D108BD9-81ED-4DB2-BD59-A6C34878D82A}">
-                    <a16:rowId xmlns:a16="http://schemas.microsoft.com/office/drawing/2014/main" xmlns="" val="3329658239"/>
+                    <a16:rowId xmlns="" xmlns:a16="http://schemas.microsoft.com/office/drawing/2014/main" val="3329658239"/>
                   </a:ext>
                 </a:extLst>
               </a:tr>
@@ -29329,21 +29391,21 @@
                 <a:gridCol w="938778">
                   <a:extLst>
                     <a:ext uri="{9D8B030D-6E8A-4147-A177-3AD203B41FA5}">
-                      <a16:colId xmlns:a16="http://schemas.microsoft.com/office/drawing/2014/main" xmlns="" val="48614039"/>
+                      <a16:colId xmlns="" xmlns:a16="http://schemas.microsoft.com/office/drawing/2014/main" val="48614039"/>
                     </a:ext>
                   </a:extLst>
                 </a:gridCol>
                 <a:gridCol w="1232915">
                   <a:extLst>
                     <a:ext uri="{9D8B030D-6E8A-4147-A177-3AD203B41FA5}">
-                      <a16:colId xmlns:a16="http://schemas.microsoft.com/office/drawing/2014/main" xmlns="" val="1124546490"/>
+                      <a16:colId xmlns="" xmlns:a16="http://schemas.microsoft.com/office/drawing/2014/main" val="1124546490"/>
                     </a:ext>
                   </a:extLst>
                 </a:gridCol>
                 <a:gridCol w="1517360">
                   <a:extLst>
                     <a:ext uri="{9D8B030D-6E8A-4147-A177-3AD203B41FA5}">
-                      <a16:colId xmlns:a16="http://schemas.microsoft.com/office/drawing/2014/main" xmlns="" val="2986980724"/>
+                      <a16:colId xmlns="" xmlns:a16="http://schemas.microsoft.com/office/drawing/2014/main" val="2986980724"/>
                     </a:ext>
                   </a:extLst>
                 </a:gridCol>
@@ -29435,7 +29497,7 @@
                 </a:tc>
                 <a:extLst>
                   <a:ext uri="{0D108BD9-81ED-4DB2-BD59-A6C34878D82A}">
-                    <a16:rowId xmlns:a16="http://schemas.microsoft.com/office/drawing/2014/main" xmlns="" val="2034482246"/>
+                    <a16:rowId xmlns="" xmlns:a16="http://schemas.microsoft.com/office/drawing/2014/main" val="2034482246"/>
                   </a:ext>
                 </a:extLst>
               </a:tr>
@@ -29502,7 +29564,7 @@
                 </a:tc>
                 <a:extLst>
                   <a:ext uri="{0D108BD9-81ED-4DB2-BD59-A6C34878D82A}">
-                    <a16:rowId xmlns:a16="http://schemas.microsoft.com/office/drawing/2014/main" xmlns="" val="682465758"/>
+                    <a16:rowId xmlns="" xmlns:a16="http://schemas.microsoft.com/office/drawing/2014/main" val="682465758"/>
                   </a:ext>
                 </a:extLst>
               </a:tr>
@@ -29569,7 +29631,7 @@
                 </a:tc>
                 <a:extLst>
                   <a:ext uri="{0D108BD9-81ED-4DB2-BD59-A6C34878D82A}">
-                    <a16:rowId xmlns:a16="http://schemas.microsoft.com/office/drawing/2014/main" xmlns="" val="4230228483"/>
+                    <a16:rowId xmlns="" xmlns:a16="http://schemas.microsoft.com/office/drawing/2014/main" val="4230228483"/>
                   </a:ext>
                 </a:extLst>
               </a:tr>
@@ -29636,7 +29698,7 @@
                 </a:tc>
                 <a:extLst>
                   <a:ext uri="{0D108BD9-81ED-4DB2-BD59-A6C34878D82A}">
-                    <a16:rowId xmlns:a16="http://schemas.microsoft.com/office/drawing/2014/main" xmlns="" val="3329658239"/>
+                    <a16:rowId xmlns="" xmlns:a16="http://schemas.microsoft.com/office/drawing/2014/main" val="3329658239"/>
                   </a:ext>
                 </a:extLst>
               </a:tr>
@@ -29827,35 +29889,35 @@
                 <a:gridCol w="1399451">
                   <a:extLst>
                     <a:ext uri="{9D8B030D-6E8A-4147-A177-3AD203B41FA5}">
-                      <a16:colId xmlns:a16="http://schemas.microsoft.com/office/drawing/2014/main" xmlns="" val="2083747732"/>
+                      <a16:colId xmlns="" xmlns:a16="http://schemas.microsoft.com/office/drawing/2014/main" val="2083747732"/>
                     </a:ext>
                   </a:extLst>
                 </a:gridCol>
                 <a:gridCol w="1399451">
                   <a:extLst>
                     <a:ext uri="{9D8B030D-6E8A-4147-A177-3AD203B41FA5}">
-                      <a16:colId xmlns:a16="http://schemas.microsoft.com/office/drawing/2014/main" xmlns="" val="228114039"/>
+                      <a16:colId xmlns="" xmlns:a16="http://schemas.microsoft.com/office/drawing/2014/main" val="228114039"/>
                     </a:ext>
                   </a:extLst>
                 </a:gridCol>
                 <a:gridCol w="1399451">
                   <a:extLst>
                     <a:ext uri="{9D8B030D-6E8A-4147-A177-3AD203B41FA5}">
-                      <a16:colId xmlns:a16="http://schemas.microsoft.com/office/drawing/2014/main" xmlns="" val="1043883102"/>
+                      <a16:colId xmlns="" xmlns:a16="http://schemas.microsoft.com/office/drawing/2014/main" val="1043883102"/>
                     </a:ext>
                   </a:extLst>
                 </a:gridCol>
                 <a:gridCol w="1399451">
                   <a:extLst>
                     <a:ext uri="{9D8B030D-6E8A-4147-A177-3AD203B41FA5}">
-                      <a16:colId xmlns:a16="http://schemas.microsoft.com/office/drawing/2014/main" xmlns="" val="1273319025"/>
+                      <a16:colId xmlns="" xmlns:a16="http://schemas.microsoft.com/office/drawing/2014/main" val="1273319025"/>
                     </a:ext>
                   </a:extLst>
                 </a:gridCol>
                 <a:gridCol w="1399451">
                   <a:extLst>
                     <a:ext uri="{9D8B030D-6E8A-4147-A177-3AD203B41FA5}">
-                      <a16:colId xmlns:a16="http://schemas.microsoft.com/office/drawing/2014/main" xmlns="" val="2436660319"/>
+                      <a16:colId xmlns="" xmlns:a16="http://schemas.microsoft.com/office/drawing/2014/main" val="2436660319"/>
                     </a:ext>
                   </a:extLst>
                 </a:gridCol>
@@ -29999,7 +30061,7 @@
                 </a:tc>
                 <a:extLst>
                   <a:ext uri="{0D108BD9-81ED-4DB2-BD59-A6C34878D82A}">
-                    <a16:rowId xmlns:a16="http://schemas.microsoft.com/office/drawing/2014/main" xmlns="" val="3345227501"/>
+                    <a16:rowId xmlns="" xmlns:a16="http://schemas.microsoft.com/office/drawing/2014/main" val="3345227501"/>
                   </a:ext>
                 </a:extLst>
               </a:tr>
@@ -30096,7 +30158,7 @@
                 </a:tc>
                 <a:extLst>
                   <a:ext uri="{0D108BD9-81ED-4DB2-BD59-A6C34878D82A}">
-                    <a16:rowId xmlns:a16="http://schemas.microsoft.com/office/drawing/2014/main" xmlns="" val="555744451"/>
+                    <a16:rowId xmlns="" xmlns:a16="http://schemas.microsoft.com/office/drawing/2014/main" val="555744451"/>
                   </a:ext>
                 </a:extLst>
               </a:tr>
@@ -30193,7 +30255,7 @@
                 </a:tc>
                 <a:extLst>
                   <a:ext uri="{0D108BD9-81ED-4DB2-BD59-A6C34878D82A}">
-                    <a16:rowId xmlns:a16="http://schemas.microsoft.com/office/drawing/2014/main" xmlns="" val="3568244748"/>
+                    <a16:rowId xmlns="" xmlns:a16="http://schemas.microsoft.com/office/drawing/2014/main" val="3568244748"/>
                   </a:ext>
                 </a:extLst>
               </a:tr>
@@ -30291,7 +30353,7 @@
                 </a:tc>
                 <a:extLst>
                   <a:ext uri="{0D108BD9-81ED-4DB2-BD59-A6C34878D82A}">
-                    <a16:rowId xmlns:a16="http://schemas.microsoft.com/office/drawing/2014/main" xmlns="" val="1251180638"/>
+                    <a16:rowId xmlns="" xmlns:a16="http://schemas.microsoft.com/office/drawing/2014/main" val="1251180638"/>
                   </a:ext>
                 </a:extLst>
               </a:tr>
@@ -30517,21 +30579,21 @@
                 <a:gridCol w="938778">
                   <a:extLst>
                     <a:ext uri="{9D8B030D-6E8A-4147-A177-3AD203B41FA5}">
-                      <a16:colId xmlns:a16="http://schemas.microsoft.com/office/drawing/2014/main" xmlns="" val="48614039"/>
+                      <a16:colId xmlns="" xmlns:a16="http://schemas.microsoft.com/office/drawing/2014/main" val="48614039"/>
                     </a:ext>
                   </a:extLst>
                 </a:gridCol>
                 <a:gridCol w="1232915">
                   <a:extLst>
                     <a:ext uri="{9D8B030D-6E8A-4147-A177-3AD203B41FA5}">
-                      <a16:colId xmlns:a16="http://schemas.microsoft.com/office/drawing/2014/main" xmlns="" val="1124546490"/>
+                      <a16:colId xmlns="" xmlns:a16="http://schemas.microsoft.com/office/drawing/2014/main" val="1124546490"/>
                     </a:ext>
                   </a:extLst>
                 </a:gridCol>
                 <a:gridCol w="1517360">
                   <a:extLst>
                     <a:ext uri="{9D8B030D-6E8A-4147-A177-3AD203B41FA5}">
-                      <a16:colId xmlns:a16="http://schemas.microsoft.com/office/drawing/2014/main" xmlns="" val="2986980724"/>
+                      <a16:colId xmlns="" xmlns:a16="http://schemas.microsoft.com/office/drawing/2014/main" val="2986980724"/>
                     </a:ext>
                   </a:extLst>
                 </a:gridCol>
@@ -30610,7 +30672,7 @@
                 </a:tc>
                 <a:extLst>
                   <a:ext uri="{0D108BD9-81ED-4DB2-BD59-A6C34878D82A}">
-                    <a16:rowId xmlns:a16="http://schemas.microsoft.com/office/drawing/2014/main" xmlns="" val="2034482246"/>
+                    <a16:rowId xmlns="" xmlns:a16="http://schemas.microsoft.com/office/drawing/2014/main" val="2034482246"/>
                   </a:ext>
                 </a:extLst>
               </a:tr>
@@ -30677,7 +30739,7 @@
                 </a:tc>
                 <a:extLst>
                   <a:ext uri="{0D108BD9-81ED-4DB2-BD59-A6C34878D82A}">
-                    <a16:rowId xmlns:a16="http://schemas.microsoft.com/office/drawing/2014/main" xmlns="" val="682465758"/>
+                    <a16:rowId xmlns="" xmlns:a16="http://schemas.microsoft.com/office/drawing/2014/main" val="682465758"/>
                   </a:ext>
                 </a:extLst>
               </a:tr>
@@ -30744,7 +30806,7 @@
                 </a:tc>
                 <a:extLst>
                   <a:ext uri="{0D108BD9-81ED-4DB2-BD59-A6C34878D82A}">
-                    <a16:rowId xmlns:a16="http://schemas.microsoft.com/office/drawing/2014/main" xmlns="" val="4230228483"/>
+                    <a16:rowId xmlns="" xmlns:a16="http://schemas.microsoft.com/office/drawing/2014/main" val="4230228483"/>
                   </a:ext>
                 </a:extLst>
               </a:tr>
@@ -30811,7 +30873,7 @@
                 </a:tc>
                 <a:extLst>
                   <a:ext uri="{0D108BD9-81ED-4DB2-BD59-A6C34878D82A}">
-                    <a16:rowId xmlns:a16="http://schemas.microsoft.com/office/drawing/2014/main" xmlns="" val="3329658239"/>
+                    <a16:rowId xmlns="" xmlns:a16="http://schemas.microsoft.com/office/drawing/2014/main" val="3329658239"/>
                   </a:ext>
                 </a:extLst>
               </a:tr>
@@ -30847,21 +30909,21 @@
                 <a:gridCol w="938778">
                   <a:extLst>
                     <a:ext uri="{9D8B030D-6E8A-4147-A177-3AD203B41FA5}">
-                      <a16:colId xmlns:a16="http://schemas.microsoft.com/office/drawing/2014/main" xmlns="" val="48614039"/>
+                      <a16:colId xmlns="" xmlns:a16="http://schemas.microsoft.com/office/drawing/2014/main" val="48614039"/>
                     </a:ext>
                   </a:extLst>
                 </a:gridCol>
                 <a:gridCol w="1232915">
                   <a:extLst>
                     <a:ext uri="{9D8B030D-6E8A-4147-A177-3AD203B41FA5}">
-                      <a16:colId xmlns:a16="http://schemas.microsoft.com/office/drawing/2014/main" xmlns="" val="1124546490"/>
+                      <a16:colId xmlns="" xmlns:a16="http://schemas.microsoft.com/office/drawing/2014/main" val="1124546490"/>
                     </a:ext>
                   </a:extLst>
                 </a:gridCol>
                 <a:gridCol w="1517360">
                   <a:extLst>
                     <a:ext uri="{9D8B030D-6E8A-4147-A177-3AD203B41FA5}">
-                      <a16:colId xmlns:a16="http://schemas.microsoft.com/office/drawing/2014/main" xmlns="" val="2986980724"/>
+                      <a16:colId xmlns="" xmlns:a16="http://schemas.microsoft.com/office/drawing/2014/main" val="2986980724"/>
                     </a:ext>
                   </a:extLst>
                 </a:gridCol>
@@ -30953,7 +31015,7 @@
                 </a:tc>
                 <a:extLst>
                   <a:ext uri="{0D108BD9-81ED-4DB2-BD59-A6C34878D82A}">
-                    <a16:rowId xmlns:a16="http://schemas.microsoft.com/office/drawing/2014/main" xmlns="" val="2034482246"/>
+                    <a16:rowId xmlns="" xmlns:a16="http://schemas.microsoft.com/office/drawing/2014/main" val="2034482246"/>
                   </a:ext>
                 </a:extLst>
               </a:tr>
@@ -31020,7 +31082,7 @@
                 </a:tc>
                 <a:extLst>
                   <a:ext uri="{0D108BD9-81ED-4DB2-BD59-A6C34878D82A}">
-                    <a16:rowId xmlns:a16="http://schemas.microsoft.com/office/drawing/2014/main" xmlns="" val="682465758"/>
+                    <a16:rowId xmlns="" xmlns:a16="http://schemas.microsoft.com/office/drawing/2014/main" val="682465758"/>
                   </a:ext>
                 </a:extLst>
               </a:tr>
@@ -31087,7 +31149,7 @@
                 </a:tc>
                 <a:extLst>
                   <a:ext uri="{0D108BD9-81ED-4DB2-BD59-A6C34878D82A}">
-                    <a16:rowId xmlns:a16="http://schemas.microsoft.com/office/drawing/2014/main" xmlns="" val="4230228483"/>
+                    <a16:rowId xmlns="" xmlns:a16="http://schemas.microsoft.com/office/drawing/2014/main" val="4230228483"/>
                   </a:ext>
                 </a:extLst>
               </a:tr>
@@ -31154,7 +31216,7 @@
                 </a:tc>
                 <a:extLst>
                   <a:ext uri="{0D108BD9-81ED-4DB2-BD59-A6C34878D82A}">
-                    <a16:rowId xmlns:a16="http://schemas.microsoft.com/office/drawing/2014/main" xmlns="" val="3329658239"/>
+                    <a16:rowId xmlns="" xmlns:a16="http://schemas.microsoft.com/office/drawing/2014/main" val="3329658239"/>
                   </a:ext>
                 </a:extLst>
               </a:tr>
@@ -31345,35 +31407,35 @@
                 <a:gridCol w="1399451">
                   <a:extLst>
                     <a:ext uri="{9D8B030D-6E8A-4147-A177-3AD203B41FA5}">
-                      <a16:colId xmlns:a16="http://schemas.microsoft.com/office/drawing/2014/main" xmlns="" val="2083747732"/>
+                      <a16:colId xmlns="" xmlns:a16="http://schemas.microsoft.com/office/drawing/2014/main" val="2083747732"/>
                     </a:ext>
                   </a:extLst>
                 </a:gridCol>
                 <a:gridCol w="1399451">
                   <a:extLst>
                     <a:ext uri="{9D8B030D-6E8A-4147-A177-3AD203B41FA5}">
-                      <a16:colId xmlns:a16="http://schemas.microsoft.com/office/drawing/2014/main" xmlns="" val="228114039"/>
+                      <a16:colId xmlns="" xmlns:a16="http://schemas.microsoft.com/office/drawing/2014/main" val="228114039"/>
                     </a:ext>
                   </a:extLst>
                 </a:gridCol>
                 <a:gridCol w="1399451">
                   <a:extLst>
                     <a:ext uri="{9D8B030D-6E8A-4147-A177-3AD203B41FA5}">
-                      <a16:colId xmlns:a16="http://schemas.microsoft.com/office/drawing/2014/main" xmlns="" val="1043883102"/>
+                      <a16:colId xmlns="" xmlns:a16="http://schemas.microsoft.com/office/drawing/2014/main" val="1043883102"/>
                     </a:ext>
                   </a:extLst>
                 </a:gridCol>
                 <a:gridCol w="1399451">
                   <a:extLst>
                     <a:ext uri="{9D8B030D-6E8A-4147-A177-3AD203B41FA5}">
-                      <a16:colId xmlns:a16="http://schemas.microsoft.com/office/drawing/2014/main" xmlns="" val="1273319025"/>
+                      <a16:colId xmlns="" xmlns:a16="http://schemas.microsoft.com/office/drawing/2014/main" val="1273319025"/>
                     </a:ext>
                   </a:extLst>
                 </a:gridCol>
                 <a:gridCol w="1399451">
                   <a:extLst>
                     <a:ext uri="{9D8B030D-6E8A-4147-A177-3AD203B41FA5}">
-                      <a16:colId xmlns:a16="http://schemas.microsoft.com/office/drawing/2014/main" xmlns="" val="2436660319"/>
+                      <a16:colId xmlns="" xmlns:a16="http://schemas.microsoft.com/office/drawing/2014/main" val="2436660319"/>
                     </a:ext>
                   </a:extLst>
                 </a:gridCol>
@@ -31509,7 +31571,7 @@
                 </a:tc>
                 <a:extLst>
                   <a:ext uri="{0D108BD9-81ED-4DB2-BD59-A6C34878D82A}">
-                    <a16:rowId xmlns:a16="http://schemas.microsoft.com/office/drawing/2014/main" xmlns="" val="3345227501"/>
+                    <a16:rowId xmlns="" xmlns:a16="http://schemas.microsoft.com/office/drawing/2014/main" val="3345227501"/>
                   </a:ext>
                 </a:extLst>
               </a:tr>
@@ -31606,7 +31668,7 @@
                 </a:tc>
                 <a:extLst>
                   <a:ext uri="{0D108BD9-81ED-4DB2-BD59-A6C34878D82A}">
-                    <a16:rowId xmlns:a16="http://schemas.microsoft.com/office/drawing/2014/main" xmlns="" val="555744451"/>
+                    <a16:rowId xmlns="" xmlns:a16="http://schemas.microsoft.com/office/drawing/2014/main" val="555744451"/>
                   </a:ext>
                 </a:extLst>
               </a:tr>
@@ -31704,7 +31766,7 @@
                 </a:tc>
                 <a:extLst>
                   <a:ext uri="{0D108BD9-81ED-4DB2-BD59-A6C34878D82A}">
-                    <a16:rowId xmlns:a16="http://schemas.microsoft.com/office/drawing/2014/main" xmlns="" val="3568244748"/>
+                    <a16:rowId xmlns="" xmlns:a16="http://schemas.microsoft.com/office/drawing/2014/main" val="3568244748"/>
                   </a:ext>
                 </a:extLst>
               </a:tr>
@@ -31802,7 +31864,7 @@
                 </a:tc>
                 <a:extLst>
                   <a:ext uri="{0D108BD9-81ED-4DB2-BD59-A6C34878D82A}">
-                    <a16:rowId xmlns:a16="http://schemas.microsoft.com/office/drawing/2014/main" xmlns="" val="1251180638"/>
+                    <a16:rowId xmlns="" xmlns:a16="http://schemas.microsoft.com/office/drawing/2014/main" val="1251180638"/>
                   </a:ext>
                 </a:extLst>
               </a:tr>
@@ -32004,21 +32066,21 @@
                 <a:gridCol w="938778">
                   <a:extLst>
                     <a:ext uri="{9D8B030D-6E8A-4147-A177-3AD203B41FA5}">
-                      <a16:colId xmlns:a16="http://schemas.microsoft.com/office/drawing/2014/main" xmlns="" val="48614039"/>
+                      <a16:colId xmlns="" xmlns:a16="http://schemas.microsoft.com/office/drawing/2014/main" val="48614039"/>
                     </a:ext>
                   </a:extLst>
                 </a:gridCol>
                 <a:gridCol w="1232915">
                   <a:extLst>
                     <a:ext uri="{9D8B030D-6E8A-4147-A177-3AD203B41FA5}">
-                      <a16:colId xmlns:a16="http://schemas.microsoft.com/office/drawing/2014/main" xmlns="" val="1124546490"/>
+                      <a16:colId xmlns="" xmlns:a16="http://schemas.microsoft.com/office/drawing/2014/main" val="1124546490"/>
                     </a:ext>
                   </a:extLst>
                 </a:gridCol>
                 <a:gridCol w="1517360">
                   <a:extLst>
                     <a:ext uri="{9D8B030D-6E8A-4147-A177-3AD203B41FA5}">
-                      <a16:colId xmlns:a16="http://schemas.microsoft.com/office/drawing/2014/main" xmlns="" val="2986980724"/>
+                      <a16:colId xmlns="" xmlns:a16="http://schemas.microsoft.com/office/drawing/2014/main" val="2986980724"/>
                     </a:ext>
                   </a:extLst>
                 </a:gridCol>
@@ -32097,7 +32159,7 @@
                 </a:tc>
                 <a:extLst>
                   <a:ext uri="{0D108BD9-81ED-4DB2-BD59-A6C34878D82A}">
-                    <a16:rowId xmlns:a16="http://schemas.microsoft.com/office/drawing/2014/main" xmlns="" val="2034482246"/>
+                    <a16:rowId xmlns="" xmlns:a16="http://schemas.microsoft.com/office/drawing/2014/main" val="2034482246"/>
                   </a:ext>
                 </a:extLst>
               </a:tr>
@@ -32164,7 +32226,7 @@
                 </a:tc>
                 <a:extLst>
                   <a:ext uri="{0D108BD9-81ED-4DB2-BD59-A6C34878D82A}">
-                    <a16:rowId xmlns:a16="http://schemas.microsoft.com/office/drawing/2014/main" xmlns="" val="682465758"/>
+                    <a16:rowId xmlns="" xmlns:a16="http://schemas.microsoft.com/office/drawing/2014/main" val="682465758"/>
                   </a:ext>
                 </a:extLst>
               </a:tr>
@@ -32231,7 +32293,7 @@
                 </a:tc>
                 <a:extLst>
                   <a:ext uri="{0D108BD9-81ED-4DB2-BD59-A6C34878D82A}">
-                    <a16:rowId xmlns:a16="http://schemas.microsoft.com/office/drawing/2014/main" xmlns="" val="4230228483"/>
+                    <a16:rowId xmlns="" xmlns:a16="http://schemas.microsoft.com/office/drawing/2014/main" val="4230228483"/>
                   </a:ext>
                 </a:extLst>
               </a:tr>
@@ -32298,7 +32360,7 @@
                 </a:tc>
                 <a:extLst>
                   <a:ext uri="{0D108BD9-81ED-4DB2-BD59-A6C34878D82A}">
-                    <a16:rowId xmlns:a16="http://schemas.microsoft.com/office/drawing/2014/main" xmlns="" val="3329658239"/>
+                    <a16:rowId xmlns="" xmlns:a16="http://schemas.microsoft.com/office/drawing/2014/main" val="3329658239"/>
                   </a:ext>
                 </a:extLst>
               </a:tr>
@@ -32334,21 +32396,21 @@
                 <a:gridCol w="938778">
                   <a:extLst>
                     <a:ext uri="{9D8B030D-6E8A-4147-A177-3AD203B41FA5}">
-                      <a16:colId xmlns:a16="http://schemas.microsoft.com/office/drawing/2014/main" xmlns="" val="48614039"/>
+                      <a16:colId xmlns="" xmlns:a16="http://schemas.microsoft.com/office/drawing/2014/main" val="48614039"/>
                     </a:ext>
                   </a:extLst>
                 </a:gridCol>
                 <a:gridCol w="1232915">
                   <a:extLst>
                     <a:ext uri="{9D8B030D-6E8A-4147-A177-3AD203B41FA5}">
-                      <a16:colId xmlns:a16="http://schemas.microsoft.com/office/drawing/2014/main" xmlns="" val="1124546490"/>
+                      <a16:colId xmlns="" xmlns:a16="http://schemas.microsoft.com/office/drawing/2014/main" val="1124546490"/>
                     </a:ext>
                   </a:extLst>
                 </a:gridCol>
                 <a:gridCol w="1517360">
                   <a:extLst>
                     <a:ext uri="{9D8B030D-6E8A-4147-A177-3AD203B41FA5}">
-                      <a16:colId xmlns:a16="http://schemas.microsoft.com/office/drawing/2014/main" xmlns="" val="2986980724"/>
+                      <a16:colId xmlns="" xmlns:a16="http://schemas.microsoft.com/office/drawing/2014/main" val="2986980724"/>
                     </a:ext>
                   </a:extLst>
                 </a:gridCol>
@@ -32427,7 +32489,7 @@
                 </a:tc>
                 <a:extLst>
                   <a:ext uri="{0D108BD9-81ED-4DB2-BD59-A6C34878D82A}">
-                    <a16:rowId xmlns:a16="http://schemas.microsoft.com/office/drawing/2014/main" xmlns="" val="2034482246"/>
+                    <a16:rowId xmlns="" xmlns:a16="http://schemas.microsoft.com/office/drawing/2014/main" val="2034482246"/>
                   </a:ext>
                 </a:extLst>
               </a:tr>
@@ -32494,7 +32556,7 @@
                 </a:tc>
                 <a:extLst>
                   <a:ext uri="{0D108BD9-81ED-4DB2-BD59-A6C34878D82A}">
-                    <a16:rowId xmlns:a16="http://schemas.microsoft.com/office/drawing/2014/main" xmlns="" val="682465758"/>
+                    <a16:rowId xmlns="" xmlns:a16="http://schemas.microsoft.com/office/drawing/2014/main" val="682465758"/>
                   </a:ext>
                 </a:extLst>
               </a:tr>
@@ -32561,7 +32623,7 @@
                 </a:tc>
                 <a:extLst>
                   <a:ext uri="{0D108BD9-81ED-4DB2-BD59-A6C34878D82A}">
-                    <a16:rowId xmlns:a16="http://schemas.microsoft.com/office/drawing/2014/main" xmlns="" val="4230228483"/>
+                    <a16:rowId xmlns="" xmlns:a16="http://schemas.microsoft.com/office/drawing/2014/main" val="4230228483"/>
                   </a:ext>
                 </a:extLst>
               </a:tr>
@@ -32628,7 +32690,7 @@
                 </a:tc>
                 <a:extLst>
                   <a:ext uri="{0D108BD9-81ED-4DB2-BD59-A6C34878D82A}">
-                    <a16:rowId xmlns:a16="http://schemas.microsoft.com/office/drawing/2014/main" xmlns="" val="3329658239"/>
+                    <a16:rowId xmlns="" xmlns:a16="http://schemas.microsoft.com/office/drawing/2014/main" val="3329658239"/>
                   </a:ext>
                 </a:extLst>
               </a:tr>
@@ -32779,35 +32841,35 @@
                 <a:gridCol w="1399451">
                   <a:extLst>
                     <a:ext uri="{9D8B030D-6E8A-4147-A177-3AD203B41FA5}">
-                      <a16:colId xmlns:a16="http://schemas.microsoft.com/office/drawing/2014/main" xmlns="" val="2533295070"/>
+                      <a16:colId xmlns="" xmlns:a16="http://schemas.microsoft.com/office/drawing/2014/main" val="2533295070"/>
                     </a:ext>
                   </a:extLst>
                 </a:gridCol>
                 <a:gridCol w="1399451">
                   <a:extLst>
                     <a:ext uri="{9D8B030D-6E8A-4147-A177-3AD203B41FA5}">
-                      <a16:colId xmlns:a16="http://schemas.microsoft.com/office/drawing/2014/main" xmlns="" val="2823970733"/>
+                      <a16:colId xmlns="" xmlns:a16="http://schemas.microsoft.com/office/drawing/2014/main" val="2823970733"/>
                     </a:ext>
                   </a:extLst>
                 </a:gridCol>
                 <a:gridCol w="1399451">
                   <a:extLst>
                     <a:ext uri="{9D8B030D-6E8A-4147-A177-3AD203B41FA5}">
-                      <a16:colId xmlns:a16="http://schemas.microsoft.com/office/drawing/2014/main" xmlns="" val="1330945577"/>
+                      <a16:colId xmlns="" xmlns:a16="http://schemas.microsoft.com/office/drawing/2014/main" val="1330945577"/>
                     </a:ext>
                   </a:extLst>
                 </a:gridCol>
                 <a:gridCol w="1399451">
                   <a:extLst>
                     <a:ext uri="{9D8B030D-6E8A-4147-A177-3AD203B41FA5}">
-                      <a16:colId xmlns:a16="http://schemas.microsoft.com/office/drawing/2014/main" xmlns="" val="2007496317"/>
+                      <a16:colId xmlns="" xmlns:a16="http://schemas.microsoft.com/office/drawing/2014/main" val="2007496317"/>
                     </a:ext>
                   </a:extLst>
                 </a:gridCol>
                 <a:gridCol w="1399451">
                   <a:extLst>
                     <a:ext uri="{9D8B030D-6E8A-4147-A177-3AD203B41FA5}">
-                      <a16:colId xmlns:a16="http://schemas.microsoft.com/office/drawing/2014/main" xmlns="" val="1820086319"/>
+                      <a16:colId xmlns="" xmlns:a16="http://schemas.microsoft.com/office/drawing/2014/main" val="1820086319"/>
                     </a:ext>
                   </a:extLst>
                 </a:gridCol>
@@ -32930,7 +32992,7 @@
                 </a:tc>
                 <a:extLst>
                   <a:ext uri="{0D108BD9-81ED-4DB2-BD59-A6C34878D82A}">
-                    <a16:rowId xmlns:a16="http://schemas.microsoft.com/office/drawing/2014/main" xmlns="" val="1193057462"/>
+                    <a16:rowId xmlns="" xmlns:a16="http://schemas.microsoft.com/office/drawing/2014/main" val="1193057462"/>
                   </a:ext>
                 </a:extLst>
               </a:tr>
@@ -33027,7 +33089,7 @@
                 </a:tc>
                 <a:extLst>
                   <a:ext uri="{0D108BD9-81ED-4DB2-BD59-A6C34878D82A}">
-                    <a16:rowId xmlns:a16="http://schemas.microsoft.com/office/drawing/2014/main" xmlns="" val="18654810"/>
+                    <a16:rowId xmlns="" xmlns:a16="http://schemas.microsoft.com/office/drawing/2014/main" val="18654810"/>
                   </a:ext>
                 </a:extLst>
               </a:tr>
@@ -33125,7 +33187,7 @@
                 </a:tc>
                 <a:extLst>
                   <a:ext uri="{0D108BD9-81ED-4DB2-BD59-A6C34878D82A}">
-                    <a16:rowId xmlns:a16="http://schemas.microsoft.com/office/drawing/2014/main" xmlns="" val="2164408845"/>
+                    <a16:rowId xmlns="" xmlns:a16="http://schemas.microsoft.com/office/drawing/2014/main" val="2164408845"/>
                   </a:ext>
                 </a:extLst>
               </a:tr>
@@ -33223,7 +33285,7 @@
                 </a:tc>
                 <a:extLst>
                   <a:ext uri="{0D108BD9-81ED-4DB2-BD59-A6C34878D82A}">
-                    <a16:rowId xmlns:a16="http://schemas.microsoft.com/office/drawing/2014/main" xmlns="" val="2470211089"/>
+                    <a16:rowId xmlns="" xmlns:a16="http://schemas.microsoft.com/office/drawing/2014/main" val="2470211089"/>
                   </a:ext>
                 </a:extLst>
               </a:tr>
@@ -33321,7 +33383,7 @@
                 </a:tc>
                 <a:extLst>
                   <a:ext uri="{0D108BD9-81ED-4DB2-BD59-A6C34878D82A}">
-                    <a16:rowId xmlns:a16="http://schemas.microsoft.com/office/drawing/2014/main" xmlns="" val="494220112"/>
+                    <a16:rowId xmlns="" xmlns:a16="http://schemas.microsoft.com/office/drawing/2014/main" val="494220112"/>
                   </a:ext>
                 </a:extLst>
               </a:tr>
@@ -35855,14 +35917,14 @@
                 <a:gridCol w="2475924">
                   <a:extLst>
                     <a:ext uri="{9D8B030D-6E8A-4147-A177-3AD203B41FA5}">
-                      <a16:colId xmlns="" xmlns:a16="http://schemas.microsoft.com/office/drawing/2014/main" val="1124546490"/>
+                      <a16:colId xmlns:a16="http://schemas.microsoft.com/office/drawing/2014/main" xmlns="" val="1124546490"/>
                     </a:ext>
                   </a:extLst>
                 </a:gridCol>
                 <a:gridCol w="4848607">
                   <a:extLst>
                     <a:ext uri="{9D8B030D-6E8A-4147-A177-3AD203B41FA5}">
-                      <a16:colId xmlns="" xmlns:a16="http://schemas.microsoft.com/office/drawing/2014/main" val="2986980724"/>
+                      <a16:colId xmlns:a16="http://schemas.microsoft.com/office/drawing/2014/main" xmlns="" val="2986980724"/>
                     </a:ext>
                   </a:extLst>
                 </a:gridCol>
@@ -35940,7 +36002,7 @@
                 </a:tc>
                 <a:extLst>
                   <a:ext uri="{0D108BD9-81ED-4DB2-BD59-A6C34878D82A}">
-                    <a16:rowId xmlns="" xmlns:a16="http://schemas.microsoft.com/office/drawing/2014/main" val="679667022"/>
+                    <a16:rowId xmlns:a16="http://schemas.microsoft.com/office/drawing/2014/main" xmlns="" val="679667022"/>
                   </a:ext>
                 </a:extLst>
               </a:tr>
@@ -36003,7 +36065,7 @@
                 </a:tc>
                 <a:extLst>
                   <a:ext uri="{0D108BD9-81ED-4DB2-BD59-A6C34878D82A}">
-                    <a16:rowId xmlns="" xmlns:a16="http://schemas.microsoft.com/office/drawing/2014/main" val="2034482246"/>
+                    <a16:rowId xmlns:a16="http://schemas.microsoft.com/office/drawing/2014/main" xmlns="" val="2034482246"/>
                   </a:ext>
                 </a:extLst>
               </a:tr>
@@ -36078,7 +36140,7 @@
                 </a:tc>
                 <a:extLst>
                   <a:ext uri="{0D108BD9-81ED-4DB2-BD59-A6C34878D82A}">
-                    <a16:rowId xmlns="" xmlns:a16="http://schemas.microsoft.com/office/drawing/2014/main" val="682465758"/>
+                    <a16:rowId xmlns:a16="http://schemas.microsoft.com/office/drawing/2014/main" xmlns="" val="682465758"/>
                   </a:ext>
                 </a:extLst>
               </a:tr>
@@ -37904,7 +37966,7 @@
   <a:extraClrSchemeLst/>
   <a:extLst>
     <a:ext uri="{05A4C25C-085E-4340-85A3-A5531E510DB2}">
-      <thm15:themeFamily xmlns:thm15="http://schemas.microsoft.com/office/thememl/2012/main" xmlns="" name="Office Theme" id="{62F939B6-93AF-4DB8-9C6B-D6C7DFDC589F}" vid="{4A3C46E8-61CC-4603-A589-7422A47A8E4A}"/>
+      <thm15:themeFamily xmlns="" xmlns:thm15="http://schemas.microsoft.com/office/thememl/2012/main" name="Office Theme" id="{62F939B6-93AF-4DB8-9C6B-D6C7DFDC589F}" vid="{4A3C46E8-61CC-4603-A589-7422A47A8E4A}"/>
     </a:ext>
   </a:extLst>
 </a:theme>
@@ -38173,7 +38235,7 @@
   <a:extraClrSchemeLst/>
   <a:extLst>
     <a:ext uri="{05A4C25C-085E-4340-85A3-A5531E510DB2}">
-      <thm15:themeFamily xmlns:thm15="http://schemas.microsoft.com/office/thememl/2012/main" xmlns="" name="Office Theme" id="{62F939B6-93AF-4DB8-9C6B-D6C7DFDC589F}" vid="{4A3C46E8-61CC-4603-A589-7422A47A8E4A}"/>
+      <thm15:themeFamily xmlns="" xmlns:thm15="http://schemas.microsoft.com/office/thememl/2012/main" name="Office Theme" id="{62F939B6-93AF-4DB8-9C6B-D6C7DFDC589F}" vid="{4A3C46E8-61CC-4603-A589-7422A47A8E4A}"/>
     </a:ext>
   </a:extLst>
 </a:theme>
@@ -38440,7 +38502,7 @@
   <a:extraClrSchemeLst/>
   <a:extLst>
     <a:ext uri="{05A4C25C-085E-4340-85A3-A5531E510DB2}">
-      <thm15:themeFamily xmlns:thm15="http://schemas.microsoft.com/office/thememl/2012/main" xmlns="" name="Office Theme" id="{62F939B6-93AF-4DB8-9C6B-D6C7DFDC589F}" vid="{4A3C46E8-61CC-4603-A589-7422A47A8E4A}"/>
+      <thm15:themeFamily xmlns="" xmlns:thm15="http://schemas.microsoft.com/office/thememl/2012/main" name="Office Theme" id="{62F939B6-93AF-4DB8-9C6B-D6C7DFDC589F}" vid="{4A3C46E8-61CC-4603-A589-7422A47A8E4A}"/>
     </a:ext>
   </a:extLst>
 </a:theme>
@@ -38773,7 +38835,7 @@
   <a:extraClrSchemeLst/>
   <a:extLst>
     <a:ext uri="{05A4C25C-085E-4340-85A3-A5531E510DB2}">
-      <thm15:themeFamily xmlns="" xmlns:thm15="http://schemas.microsoft.com/office/thememl/2012/main" name="Azure4ResearchTemplate" id="{DD1C6CE8-BDBA-0D4F-9930-3643ABC8EF0E}" vid="{B5C66FD7-0952-994B-96D6-AB3BB89097FE}"/>
+      <thm15:themeFamily xmlns:thm15="http://schemas.microsoft.com/office/thememl/2012/main" xmlns="" name="Azure4ResearchTemplate" id="{DD1C6CE8-BDBA-0D4F-9930-3643ABC8EF0E}" vid="{B5C66FD7-0952-994B-96D6-AB3BB89097FE}"/>
     </a:ext>
   </a:extLst>
 </a:theme>
@@ -39068,7 +39130,7 @@
   <a:extraClrSchemeLst/>
   <a:extLst>
     <a:ext uri="{05A4C25C-085E-4340-85A3-A5531E510DB2}">
-      <thm15:themeFamily xmlns:thm15="http://schemas.microsoft.com/office/thememl/2012/main" xmlns="" name="Office Theme" id="{62F939B6-93AF-4DB8-9C6B-D6C7DFDC589F}" vid="{4A3C46E8-61CC-4603-A589-7422A47A8E4A}"/>
+      <thm15:themeFamily xmlns="" xmlns:thm15="http://schemas.microsoft.com/office/thememl/2012/main" name="Office Theme" id="{62F939B6-93AF-4DB8-9C6B-D6C7DFDC589F}" vid="{4A3C46E8-61CC-4603-A589-7422A47A8E4A}"/>
     </a:ext>
   </a:extLst>
 </a:theme>
